--- a/images/Team2023.pptx
+++ b/images/Team2023.pptx
@@ -270,7 +270,7 @@
           <a:p>
             <a:fld id="{93AF97EF-EF08-3442-A12E-9C3F4153B635}" type="datetimeFigureOut">
               <a:rPr lang="en-US" smtClean="0"/>
-              <a:t>4/25/23</a:t>
+              <a:t>5/2/23</a:t>
             </a:fld>
             <a:endParaRPr lang="en-US"/>
           </a:p>
@@ -468,7 +468,7 @@
           <a:p>
             <a:fld id="{93AF97EF-EF08-3442-A12E-9C3F4153B635}" type="datetimeFigureOut">
               <a:rPr lang="en-US" smtClean="0"/>
-              <a:t>4/25/23</a:t>
+              <a:t>5/2/23</a:t>
             </a:fld>
             <a:endParaRPr lang="en-US"/>
           </a:p>
@@ -676,7 +676,7 @@
           <a:p>
             <a:fld id="{93AF97EF-EF08-3442-A12E-9C3F4153B635}" type="datetimeFigureOut">
               <a:rPr lang="en-US" smtClean="0"/>
-              <a:t>4/25/23</a:t>
+              <a:t>5/2/23</a:t>
             </a:fld>
             <a:endParaRPr lang="en-US"/>
           </a:p>
@@ -874,7 +874,7 @@
           <a:p>
             <a:fld id="{93AF97EF-EF08-3442-A12E-9C3F4153B635}" type="datetimeFigureOut">
               <a:rPr lang="en-US" smtClean="0"/>
-              <a:t>4/25/23</a:t>
+              <a:t>5/2/23</a:t>
             </a:fld>
             <a:endParaRPr lang="en-US"/>
           </a:p>
@@ -1149,7 +1149,7 @@
           <a:p>
             <a:fld id="{93AF97EF-EF08-3442-A12E-9C3F4153B635}" type="datetimeFigureOut">
               <a:rPr lang="en-US" smtClean="0"/>
-              <a:t>4/25/23</a:t>
+              <a:t>5/2/23</a:t>
             </a:fld>
             <a:endParaRPr lang="en-US"/>
           </a:p>
@@ -1414,7 +1414,7 @@
           <a:p>
             <a:fld id="{93AF97EF-EF08-3442-A12E-9C3F4153B635}" type="datetimeFigureOut">
               <a:rPr lang="en-US" smtClean="0"/>
-              <a:t>4/25/23</a:t>
+              <a:t>5/2/23</a:t>
             </a:fld>
             <a:endParaRPr lang="en-US"/>
           </a:p>
@@ -1826,7 +1826,7 @@
           <a:p>
             <a:fld id="{93AF97EF-EF08-3442-A12E-9C3F4153B635}" type="datetimeFigureOut">
               <a:rPr lang="en-US" smtClean="0"/>
-              <a:t>4/25/23</a:t>
+              <a:t>5/2/23</a:t>
             </a:fld>
             <a:endParaRPr lang="en-US"/>
           </a:p>
@@ -1967,7 +1967,7 @@
           <a:p>
             <a:fld id="{93AF97EF-EF08-3442-A12E-9C3F4153B635}" type="datetimeFigureOut">
               <a:rPr lang="en-US" smtClean="0"/>
-              <a:t>4/25/23</a:t>
+              <a:t>5/2/23</a:t>
             </a:fld>
             <a:endParaRPr lang="en-US"/>
           </a:p>
@@ -2080,7 +2080,7 @@
           <a:p>
             <a:fld id="{93AF97EF-EF08-3442-A12E-9C3F4153B635}" type="datetimeFigureOut">
               <a:rPr lang="en-US" smtClean="0"/>
-              <a:t>4/25/23</a:t>
+              <a:t>5/2/23</a:t>
             </a:fld>
             <a:endParaRPr lang="en-US"/>
           </a:p>
@@ -2391,7 +2391,7 @@
           <a:p>
             <a:fld id="{93AF97EF-EF08-3442-A12E-9C3F4153B635}" type="datetimeFigureOut">
               <a:rPr lang="en-US" smtClean="0"/>
-              <a:t>4/25/23</a:t>
+              <a:t>5/2/23</a:t>
             </a:fld>
             <a:endParaRPr lang="en-US"/>
           </a:p>
@@ -2679,7 +2679,7 @@
           <a:p>
             <a:fld id="{93AF97EF-EF08-3442-A12E-9C3F4153B635}" type="datetimeFigureOut">
               <a:rPr lang="en-US" smtClean="0"/>
-              <a:t>4/25/23</a:t>
+              <a:t>5/2/23</a:t>
             </a:fld>
             <a:endParaRPr lang="en-US"/>
           </a:p>
@@ -2920,7 +2920,7 @@
           <a:p>
             <a:fld id="{93AF97EF-EF08-3442-A12E-9C3F4153B635}" type="datetimeFigureOut">
               <a:rPr lang="en-US" smtClean="0"/>
-              <a:t>4/25/23</a:t>
+              <a:t>5/2/23</a:t>
             </a:fld>
             <a:endParaRPr lang="en-US"/>
           </a:p>
@@ -7124,8 +7124,8 @@
         </p:nvSpPr>
         <p:spPr>
           <a:xfrm>
-            <a:off x="10419548" y="1989222"/>
-            <a:ext cx="1617109" cy="523220"/>
+            <a:off x="10419548" y="1989221"/>
+            <a:ext cx="1617109" cy="613627"/>
           </a:xfrm>
           <a:prstGeom prst="rect">
             <a:avLst/>
@@ -7179,7 +7179,7 @@
                   <a:schemeClr val="tx1"/>
                 </a:solidFill>
               </a:rPr>
-              <a:t>Nicolas Rodriguez</a:t>
+              <a:t>Nicolas Rodriguez-Segovia</a:t>
             </a:r>
           </a:p>
         </p:txBody>
@@ -7201,8 +7201,8 @@
         </p:nvCxnSpPr>
         <p:spPr>
           <a:xfrm flipH="1">
-            <a:off x="9622310" y="2250832"/>
-            <a:ext cx="797238" cy="2406773"/>
+            <a:off x="9622310" y="2296035"/>
+            <a:ext cx="797238" cy="2361570"/>
           </a:xfrm>
           <a:prstGeom prst="straightConnector1">
             <a:avLst/>
